--- a/jolt elevator storyboard 2.pptx
+++ b/jolt elevator storyboard 2.pptx
@@ -117,7 +117,7 @@
   </p:defaultTextStyle>
   <p:extLst>
     <p:ext uri="{EFAFB233-063F-42B5-8137-9DF3F51BA10A}">
-      <p15:sldGuideLst xmlns="" xmlns:p15="http://schemas.microsoft.com/office/powerpoint/2012/main">
+      <p15:sldGuideLst xmlns:p15="http://schemas.microsoft.com/office/powerpoint/2012/main" xmlns="">
         <p15:guide id="1" orient="horz" pos="218">
           <p15:clr>
             <a:srgbClr val="A4A3A4"/>
@@ -226,7 +226,7 @@
           <a:p>
             <a:fld id="{A9DDBE22-AA62-4C59-8F60-0D9DE3033E34}" type="datetimeFigureOut">
               <a:rPr lang="en-GB" smtClean="0"/>
-              <a:t>22/10/2013</a:t>
+              <a:t>25/10/2013</a:t>
             </a:fld>
             <a:endParaRPr lang="en-GB"/>
           </a:p>
@@ -7013,8 +7013,29 @@
             <a:pPr lvl="1"/>
             <a:r>
               <a:rPr lang="en-GB" dirty="0" smtClean="0"/>
-              <a:t>he gets periodic status updates (heartbeats) – shown in his “waiting room” (dashboard)</a:t>
-            </a:r>
+              <a:t>he gets periodic status updates (heartbeats) – shown in his “waiting room” (dashboard</a:t>
+            </a:r>
+            <a:r>
+              <a:rPr lang="en-GB" dirty="0" smtClean="0"/>
+              <a:t>)</a:t>
+            </a:r>
+          </a:p>
+          <a:p>
+            <a:r>
+              <a:rPr lang="en-GB" dirty="0" smtClean="0"/>
+              <a:t>Think of these as the machine writing its own biography, and we are getting daily rushes showing updates and, from Jolt, predictions of </a:t>
+            </a:r>
+            <a:r>
+              <a:rPr lang="en-GB" smtClean="0"/>
+              <a:t>the future </a:t>
+            </a:r>
+            <a:r>
+              <a:rPr lang="en-GB" smtClean="0">
+                <a:sym typeface="Wingdings" panose="05000000000000000000" pitchFamily="2" charset="2"/>
+              </a:rPr>
+              <a:t></a:t>
+            </a:r>
+            <a:endParaRPr lang="en-GB" dirty="0" smtClean="0"/>
           </a:p>
         </p:txBody>
       </p:sp>
@@ -7336,19 +7357,7 @@
             <a:pPr lvl="1"/>
             <a:r>
               <a:rPr lang="en-GB" dirty="0" smtClean="0"/>
-              <a:t>optimiser creates </a:t>
-            </a:r>
-            <a:r>
-              <a:rPr lang="en-GB" dirty="0" smtClean="0"/>
-              <a:t>‘call’</a:t>
-            </a:r>
-            <a:r>
-              <a:rPr lang="en-GB" dirty="0" smtClean="0"/>
-              <a:t> </a:t>
-            </a:r>
-            <a:r>
-              <a:rPr lang="en-GB" dirty="0" smtClean="0"/>
-              <a:t>– is put on CRM queue</a:t>
+              <a:t>optimiser creates ‘call’ – is put on CRM queue</a:t>
             </a:r>
           </a:p>
           <a:p>
@@ -8467,7 +8476,7 @@
   <a:extraClrSchemeLst/>
   <a:extLst>
     <a:ext uri="{05A4C25C-085E-4340-85A3-A5531E510DB2}">
-      <thm15:themeFamily xmlns="" xmlns:thm15="http://schemas.microsoft.com/office/thememl/2012/main" name="Default Theme" id="{60D8BA8C-9729-41DF-95DA-F7E2EA5BAF67}" vid="{20480253-1F85-40A7-9C79-C403C37E6553}"/>
+      <thm15:themeFamily xmlns:thm15="http://schemas.microsoft.com/office/thememl/2012/main" xmlns="" name="Default Theme" id="{60D8BA8C-9729-41DF-95DA-F7E2EA5BAF67}" vid="{20480253-1F85-40A7-9C79-C403C37E6553}"/>
     </a:ext>
   </a:extLst>
 </a:theme>

--- a/jolt elevator storyboard 2.pptx
+++ b/jolt elevator storyboard 2.pptx
@@ -117,7 +117,7 @@
   </p:defaultTextStyle>
   <p:extLst>
     <p:ext uri="{EFAFB233-063F-42B5-8137-9DF3F51BA10A}">
-      <p15:sldGuideLst xmlns:p15="http://schemas.microsoft.com/office/powerpoint/2012/main" xmlns="">
+      <p15:sldGuideLst xmlns="" xmlns:p15="http://schemas.microsoft.com/office/powerpoint/2012/main">
         <p15:guide id="1" orient="horz" pos="218">
           <p15:clr>
             <a:srgbClr val="A4A3A4"/>
@@ -7013,14 +7013,13 @@
             <a:pPr lvl="1"/>
             <a:r>
               <a:rPr lang="en-GB" dirty="0" smtClean="0"/>
-              <a:t>he gets periodic status updates (heartbeats) – shown in his “waiting room” (dashboard</a:t>
-            </a:r>
-            <a:r>
-              <a:rPr lang="en-GB" dirty="0" smtClean="0"/>
-              <a:t>)</a:t>
-            </a:r>
-          </a:p>
-          <a:p>
+              <a:t>he gets periodic status updates (heartbeats) – shown in his “waiting room” (dashboard)</a:t>
+            </a:r>
+          </a:p>
+          <a:p>
+            <a:pPr marL="0" indent="0">
+              <a:buNone/>
+            </a:pPr>
             <a:r>
               <a:rPr lang="en-GB" dirty="0" smtClean="0"/>
               <a:t>Think of these as the machine writing its own biography, and we are getting daily rushes showing updates and, from Jolt, predictions of </a:t>
@@ -8476,7 +8475,7 @@
   <a:extraClrSchemeLst/>
   <a:extLst>
     <a:ext uri="{05A4C25C-085E-4340-85A3-A5531E510DB2}">
-      <thm15:themeFamily xmlns:thm15="http://schemas.microsoft.com/office/thememl/2012/main" xmlns="" name="Default Theme" id="{60D8BA8C-9729-41DF-95DA-F7E2EA5BAF67}" vid="{20480253-1F85-40A7-9C79-C403C37E6553}"/>
+      <thm15:themeFamily xmlns="" xmlns:thm15="http://schemas.microsoft.com/office/thememl/2012/main" name="Default Theme" id="{60D8BA8C-9729-41DF-95DA-F7E2EA5BAF67}" vid="{20480253-1F85-40A7-9C79-C403C37E6553}"/>
     </a:ext>
   </a:extLst>
 </a:theme>
